--- a/05-mas_ceof.pptx
+++ b/05-mas_ceof.pptx
@@ -4011,7 +4011,7 @@
       </p:grpSpPr>
       <p:pic>
         <p:nvPicPr>
-          <p:cNvPr descr="05-mas_ceof_files/figure-pptx/unnamed-chunk-5-1.png" id="0" name="Picture 1"/>
+          <p:cNvPr descr="05-mas_ceof_files/figure-pptx/unnamed-chunk-6-1.png" id="0" name="Picture 1"/>
           <p:cNvPicPr>
             <a:picLocks noGrp="1" noChangeAspect="1"/>
           </p:cNvPicPr>
@@ -4025,8 +4025,8 @@
         </p:blipFill>
         <p:spPr bwMode="auto">
           <a:xfrm>
-            <a:off x="190500" y="1371600"/>
-            <a:ext cx="11671300" cy="4864100"/>
+            <a:off x="190500" y="1155700"/>
+            <a:ext cx="11671300" cy="5308600"/>
           </a:xfrm>
           <a:prstGeom prst="rect">
             <a:avLst/>
@@ -4179,8 +4179,8 @@
         </p:blipFill>
         <p:spPr bwMode="auto">
           <a:xfrm>
-            <a:off x="190500" y="1117600"/>
-            <a:ext cx="11671300" cy="4864100"/>
+            <a:off x="279400" y="939800"/>
+            <a:ext cx="11480800" cy="5219700"/>
           </a:xfrm>
           <a:prstGeom prst="rect">
             <a:avLst/>
@@ -4341,8 +4341,8 @@
         </p:blipFill>
         <p:spPr bwMode="auto">
           <a:xfrm>
-            <a:off x="190500" y="1117600"/>
-            <a:ext cx="11671300" cy="4864100"/>
+            <a:off x="279400" y="939800"/>
+            <a:ext cx="11480800" cy="5219700"/>
           </a:xfrm>
           <a:prstGeom prst="rect">
             <a:avLst/>
@@ -4471,8 +4471,8 @@
         </p:blipFill>
         <p:spPr bwMode="auto">
           <a:xfrm>
-            <a:off x="190500" y="1117600"/>
-            <a:ext cx="11671300" cy="4864100"/>
+            <a:off x="279400" y="939800"/>
+            <a:ext cx="11480800" cy="5219700"/>
           </a:xfrm>
           <a:prstGeom prst="rect">
             <a:avLst/>
@@ -4669,8 +4669,8 @@
         </p:blipFill>
         <p:spPr bwMode="auto">
           <a:xfrm>
-            <a:off x="190500" y="1117600"/>
-            <a:ext cx="11671300" cy="4864100"/>
+            <a:off x="279400" y="939800"/>
+            <a:ext cx="11480800" cy="5219700"/>
           </a:xfrm>
           <a:prstGeom prst="rect">
             <a:avLst/>
@@ -4903,8 +4903,8 @@
         </p:blipFill>
         <p:spPr bwMode="auto">
           <a:xfrm>
-            <a:off x="190500" y="1117600"/>
-            <a:ext cx="11671300" cy="4864100"/>
+            <a:off x="279400" y="939800"/>
+            <a:ext cx="11480800" cy="5219700"/>
           </a:xfrm>
           <a:prstGeom prst="rect">
             <a:avLst/>
@@ -5065,88 +5065,6 @@
 </file>
 
 <file path=ppt/slides/slide8.xml><?xml version="1.0" encoding="utf-8"?>
-<p:sld xmlns:a="http://schemas.openxmlformats.org/drawingml/2006/main" xmlns:r="http://schemas.openxmlformats.org/officeDocument/2006/relationships" xmlns:p="http://schemas.openxmlformats.org/presentationml/2006/main">
-  <p:cSld>
-    <p:spTree>
-      <p:nvGrpSpPr>
-        <p:cNvPr id="1" name=""/>
-        <p:cNvGrpSpPr/>
-        <p:nvPr/>
-      </p:nvGrpSpPr>
-      <p:grpSpPr>
-        <a:xfrm>
-          <a:off x="0" y="0"/>
-          <a:ext cx="0" cy="0"/>
-          <a:chOff x="0" y="0"/>
-          <a:chExt cx="0" cy="0"/>
-        </a:xfrm>
-      </p:grpSpPr>
-      <p:sp>
-        <p:nvSpPr>
-          <p:cNvPr id="3" name="Content Placeholder 2"/>
-          <p:cNvSpPr>
-            <a:spLocks noGrp="1" noChangeArrowheads="1"/>
-          </p:cNvSpPr>
-          <p:nvPr>
-            <p:ph idx="1"/>
-          </p:nvPr>
-        </p:nvSpPr>
-        <p:spPr/>
-        <p:txBody>
-          <a:bodyPr/>
-          <a:lstStyle/>
-          <a:p>
-            <a:pPr lvl="0" marL="1270000" indent="0">
-              <a:buNone/>
-            </a:pPr>
-            <a:r>
-              <a:rPr sz="1800">
-                <a:latin typeface="Courier"/>
-              </a:rPr>
-              <a:t>##            time            R            I
-##   1: 1979-12-01  0.025531181 -0.009245886
-##   2: 1980-01-01  0.026159483  0.008647654
-##   3: 1980-02-01  0.061980833 -0.002855979
-##   4: 1980-03-01  0.010498338 -0.005207460
-##   5: 1980-04-01 -0.009695811  0.032265608
-##  ---                                     
-## 428: 2015-07-01  0.019092810 -0.014493214
-## 429: 2015-08-01  0.020062130 -0.003334156
-## 430: 2015-09-01 -0.068149985  0.018928223
-## 431: 2015-10-01 -0.056811199  0.047927304
-## 432: 2015-11-01 -0.018543134 -0.013411875</a:t>
-            </a:r>
-          </a:p>
-          <a:p>
-            <a:pPr lvl="0" marL="1270000" indent="0">
-              <a:buNone/>
-            </a:pPr>
-            <a:r>
-              <a:rPr sz="1800">
-                <a:latin typeface="Courier"/>
-              </a:rPr>
-              <a:t>##            time        R        I  cPC part           gh
-##   1: 1979-12-01 positive negative cPC1    R  0.025531181
-##   2: 1980-01-01 positive  neutral cPC1    R  0.026159483
-##   3: 1980-02-01 positive negative cPC1    R  0.061980833
-##   4: 1980-03-01  neutral negative cPC1    R  0.010498338
-##   5: 1980-04-01  neutral  neutral cPC1    R -0.009695811
-##  ---                                                    
-## 860: 2015-07-01  neutral negative cPC1    I -0.014493214
-## 861: 2015-08-01  neutral negative cPC1    I -0.003334156
-## 862: 2015-09-01 negative  neutral cPC1    I  0.018928223
-## 863: 2015-10-01 negative positive cPC1    I  0.047927304
-## 864: 2015-11-01 negative negative cPC1    I -0.013411875</a:t>
-            </a:r>
-          </a:p>
-        </p:txBody>
-      </p:sp>
-    </p:spTree>
-  </p:cSld>
-</p:sld>
-</file>
-
-<file path=ppt/slides/slide9.xml><?xml version="1.0" encoding="utf-8"?>
 <p:sld xmlns:a="http://schemas.openxmlformats.org/drawingml/2006/main" xmlns:r="http://schemas.openxmlformats.org/officeDocument/2006/relationships" xmlns:p="http://schemas.openxmlformats.org/presentationml/2006/main">
   <p:cSld>
     <p:spTree>
@@ -5179,8 +5097,60 @@
         </p:blipFill>
         <p:spPr bwMode="auto">
           <a:xfrm>
-            <a:off x="190500" y="1371600"/>
-            <a:ext cx="11671300" cy="4864100"/>
+            <a:off x="190500" y="1155700"/>
+            <a:ext cx="11671300" cy="5308600"/>
+          </a:xfrm>
+          <a:prstGeom prst="rect">
+            <a:avLst/>
+          </a:prstGeom>
+          <a:noFill/>
+          <a:ln w="9525">
+            <a:noFill/>
+            <a:headEnd/>
+            <a:tailEnd/>
+          </a:ln>
+        </p:spPr>
+      </p:pic>
+    </p:spTree>
+  </p:cSld>
+</p:sld>
+</file>
+
+<file path=ppt/slides/slide9.xml><?xml version="1.0" encoding="utf-8"?>
+<p:sld xmlns:a="http://schemas.openxmlformats.org/drawingml/2006/main" xmlns:r="http://schemas.openxmlformats.org/officeDocument/2006/relationships" xmlns:p="http://schemas.openxmlformats.org/presentationml/2006/main">
+  <p:cSld>
+    <p:spTree>
+      <p:nvGrpSpPr>
+        <p:cNvPr id="1" name=""/>
+        <p:cNvGrpSpPr/>
+        <p:nvPr/>
+      </p:nvGrpSpPr>
+      <p:grpSpPr>
+        <a:xfrm>
+          <a:off x="0" y="0"/>
+          <a:ext cx="0" cy="0"/>
+          <a:chOff x="0" y="0"/>
+          <a:chExt cx="0" cy="0"/>
+        </a:xfrm>
+      </p:grpSpPr>
+      <p:pic>
+        <p:nvPicPr>
+          <p:cNvPr descr="05-mas_ceof_files/figure-pptx/unnamed-chunk-5-1.png" id="0" name="Picture 1"/>
+          <p:cNvPicPr>
+            <a:picLocks noGrp="1" noChangeAspect="1"/>
+          </p:cNvPicPr>
+          <p:nvPr/>
+        </p:nvPicPr>
+        <p:blipFill>
+          <a:blip r:embed="rId2"/>
+          <a:stretch>
+            <a:fillRect/>
+          </a:stretch>
+        </p:blipFill>
+        <p:spPr bwMode="auto">
+          <a:xfrm>
+            <a:off x="190500" y="1155700"/>
+            <a:ext cx="11671300" cy="5308600"/>
           </a:xfrm>
           <a:prstGeom prst="rect">
             <a:avLst/>
